--- a/DA Final Presentation.pptx
+++ b/DA Final Presentation.pptx
@@ -2948,9 +2948,9 @@
     <dgm:cxn modelId="{7B24CE71-59F2-46CC-93ED-B072450CED4F}" type="presOf" srcId="{50F7B41B-FAA2-41FA-BB5D-C201528EBA18}" destId="{594AEDE8-98A3-47B9-9462-8582F34EB604}" srcOrd="0" destOrd="0" presId="urn:microsoft.com/office/officeart/2011/layout/HexagonRadial"/>
     <dgm:cxn modelId="{F1EB2C7B-8424-437A-8E8A-B398E98FC435}" type="presOf" srcId="{45A5C932-7689-474C-B0E8-5EA54F233742}" destId="{0E4D4F12-03FA-44F4-8745-FA081F314935}" srcOrd="0" destOrd="0" presId="urn:microsoft.com/office/officeart/2011/layout/HexagonRadial"/>
     <dgm:cxn modelId="{63655886-DA08-47E2-B061-379D788E6890}" type="presOf" srcId="{59A07FA7-D7C3-47BE-BD8E-8147FEF94614}" destId="{C247291A-C2D2-491D-BAB9-94BDB35508F6}" srcOrd="0" destOrd="0" presId="urn:microsoft.com/office/officeart/2011/layout/HexagonRadial"/>
-    <dgm:cxn modelId="{24FCBF8A-5305-4BA0-B044-3E12EE9106F6}" type="presOf" srcId="{C7565CFD-6D65-4A7D-93A1-0E87C4105A47}" destId="{8AD71BB7-57E2-4230-AA24-69AAD52E36FA}" srcOrd="0" destOrd="0" presId="urn:microsoft.com/office/officeart/2011/layout/HexagonRadial"/>
     <dgm:cxn modelId="{3BEE6090-215F-4B61-96A5-31230911E11B}" srcId="{50F7B41B-FAA2-41FA-BB5D-C201528EBA18}" destId="{C7565CFD-6D65-4A7D-93A1-0E87C4105A47}" srcOrd="3" destOrd="0" parTransId="{1CA14042-3BC8-4C32-B267-4BC5B12A3EDF}" sibTransId="{01E618E6-66A8-41B3-9B93-EB14B07F238C}"/>
     <dgm:cxn modelId="{B207CC98-DB63-417D-BAC5-17D4BAA61423}" srcId="{50F7B41B-FAA2-41FA-BB5D-C201528EBA18}" destId="{45A5C932-7689-474C-B0E8-5EA54F233742}" srcOrd="5" destOrd="0" parTransId="{5C9FAAEF-D225-4B2D-A92A-BA1AA406206F}" sibTransId="{F231AA26-E3D8-4058-8B68-6892D001CDD4}"/>
+    <dgm:cxn modelId="{24FCBF8A-5305-4BA0-B044-3E12EE9106F6}" type="presOf" srcId="{C7565CFD-6D65-4A7D-93A1-0E87C4105A47}" destId="{8AD71BB7-57E2-4230-AA24-69AAD52E36FA}" srcOrd="0" destOrd="0" presId="urn:microsoft.com/office/officeart/2011/layout/HexagonRadial"/>
     <dgm:cxn modelId="{548FA7AC-4841-4473-A809-7F2551199DFC}" srcId="{50F7B41B-FAA2-41FA-BB5D-C201528EBA18}" destId="{59A07FA7-D7C3-47BE-BD8E-8147FEF94614}" srcOrd="1" destOrd="0" parTransId="{2105DABD-FC26-4E82-B2DA-0BA2C13C2FA6}" sibTransId="{BC9CCD5A-A292-46E9-B1BF-359F270F8F64}"/>
     <dgm:cxn modelId="{E47C7EAD-950E-47D8-9810-9DF850ADB38F}" srcId="{50F7B41B-FAA2-41FA-BB5D-C201528EBA18}" destId="{A3241455-90D3-4B23-B2E5-5BB9CE895DF9}" srcOrd="4" destOrd="0" parTransId="{1EE0FAEE-8512-4741-8A90-8E5D8BF9EF3D}" sibTransId="{16EE39E3-5C23-4186-B10E-652611F05833}"/>
     <dgm:cxn modelId="{65CA17B7-4CFF-4A07-A18D-A1265345853C}" srcId="{50F7B41B-FAA2-41FA-BB5D-C201528EBA18}" destId="{A5E53102-14DE-464D-B155-B67D7DCB1742}" srcOrd="2" destOrd="0" parTransId="{2F739CBA-D6D1-49CB-BEC0-FC841201AE7F}" sibTransId="{1C1CDF84-3730-419D-B075-A918EBEC8837}"/>
@@ -3536,7 +3536,6 @@
     <dgm:cxn modelId="{265E6082-496D-489B-9E22-A736A9318C7A}" type="presOf" srcId="{BC09729A-247E-4583-8FF3-8120358EAA0D}" destId="{7F0EF770-7911-493B-B966-7B3910D22B2E}" srcOrd="0" destOrd="0" presId="urn:microsoft.com/office/officeart/2005/8/layout/radial1"/>
     <dgm:cxn modelId="{3F076C87-E1FD-46BF-B982-6EBC3F8AEEB2}" type="presOf" srcId="{8FC01E88-5014-4B3C-A640-B5E958077844}" destId="{717B8FEF-14FD-494D-B740-C291C35083F3}" srcOrd="0" destOrd="0" presId="urn:microsoft.com/office/officeart/2005/8/layout/radial1"/>
     <dgm:cxn modelId="{FD18C489-7AD5-4A86-BBFA-41EC7F584614}" type="presOf" srcId="{66590DF0-4094-432D-97B2-7BF48094EDC0}" destId="{F4133B1B-F80F-423D-B24A-C7A79026546F}" srcOrd="0" destOrd="0" presId="urn:microsoft.com/office/officeart/2005/8/layout/radial1"/>
-    <dgm:cxn modelId="{F81F339F-CC27-432B-8D0E-E1D75CDF0594}" srcId="{53C399A5-321A-4FD3-B89D-D4827FF6F2E1}" destId="{70EE1F66-5FB9-4B46-B68A-C0F09391A985}" srcOrd="5" destOrd="0" parTransId="{F473C6D4-CCC0-4504-A998-E6291716BBD6}" sibTransId="{AEEE4802-A8E6-4048-B7B7-B67801E72AB2}"/>
     <dgm:cxn modelId="{9E53C5A4-4987-45D4-9B0B-28C5694FF390}" type="presOf" srcId="{7FC4E07B-BACE-4960-8B0C-E38E16E3B304}" destId="{E6A0528B-6ED3-472E-8282-0F0CCFBC9A97}" srcOrd="0" destOrd="0" presId="urn:microsoft.com/office/officeart/2005/8/layout/radial1"/>
     <dgm:cxn modelId="{3D19AEA5-CA6D-4861-BFC9-586784C1CBDD}" type="presOf" srcId="{9278C89C-EF3C-4FB9-9147-E544EBB137DB}" destId="{44BDB928-3647-49C8-ADD4-C1EE49B0F37E}" srcOrd="0" destOrd="0" presId="urn:microsoft.com/office/officeart/2005/8/layout/radial1"/>
     <dgm:cxn modelId="{A0F1F3A7-4E72-489C-97C0-7C6A5144B22A}" type="presOf" srcId="{271283BE-BBE1-451F-A120-EFFDD6EC1432}" destId="{A73FDE7F-FE32-4D1E-AAE5-B56B68341ED8}" srcOrd="0" destOrd="0" presId="urn:microsoft.com/office/officeart/2005/8/layout/radial1"/>
@@ -3547,6 +3546,7 @@
     <dgm:cxn modelId="{924DE9BC-87F8-4BA2-A682-E78AAF2225C3}" type="presOf" srcId="{70EE1F66-5FB9-4B46-B68A-C0F09391A985}" destId="{EA9E8111-ABD8-470A-9B18-C46088B4E694}" srcOrd="0" destOrd="0" presId="urn:microsoft.com/office/officeart/2005/8/layout/radial1"/>
     <dgm:cxn modelId="{4DAE8FFA-692E-4D6E-A887-C3EE1E61A1B2}" srcId="{53C399A5-321A-4FD3-B89D-D4827FF6F2E1}" destId="{D89B39E3-3CF2-4790-AE6B-D72A60CE14A7}" srcOrd="2" destOrd="0" parTransId="{9278C89C-EF3C-4FB9-9147-E544EBB137DB}" sibTransId="{9F97EA27-105B-41B9-BE7D-FE835965DDD3}"/>
     <dgm:cxn modelId="{0C6BE2FE-4DD3-4F4F-949F-EC799ED34E39}" type="presOf" srcId="{08C45D4E-9B34-4B71-913B-2FAD6F24BB0E}" destId="{A41829A8-836F-4B72-A7F6-57C76EF2B796}" srcOrd="1" destOrd="0" presId="urn:microsoft.com/office/officeart/2005/8/layout/radial1"/>
+    <dgm:cxn modelId="{F81F339F-CC27-432B-8D0E-E1D75CDF0594}" srcId="{53C399A5-321A-4FD3-B89D-D4827FF6F2E1}" destId="{70EE1F66-5FB9-4B46-B68A-C0F09391A985}" srcOrd="5" destOrd="0" parTransId="{F473C6D4-CCC0-4504-A998-E6291716BBD6}" sibTransId="{AEEE4802-A8E6-4048-B7B7-B67801E72AB2}"/>
     <dgm:cxn modelId="{0D328F14-8386-4407-AF25-75729658F830}" type="presParOf" srcId="{D9BF615C-D88C-49B2-B026-F62BB7AA32F7}" destId="{608E1092-EB14-4214-9F03-D6D5EC558AD1}" srcOrd="0" destOrd="0" presId="urn:microsoft.com/office/officeart/2005/8/layout/radial1"/>
     <dgm:cxn modelId="{095E66DE-8880-4B51-9E19-E7A7C5449D29}" type="presParOf" srcId="{D9BF615C-D88C-49B2-B026-F62BB7AA32F7}" destId="{F4133B1B-F80F-423D-B24A-C7A79026546F}" srcOrd="1" destOrd="0" presId="urn:microsoft.com/office/officeart/2005/8/layout/radial1"/>
     <dgm:cxn modelId="{4901D292-88B8-4FA0-B8F8-42A163D112FA}" type="presParOf" srcId="{F4133B1B-F80F-423D-B24A-C7A79026546F}" destId="{D126CCB5-1B16-43D4-8A2E-78FA2A30B0E9}" srcOrd="0" destOrd="0" presId="urn:microsoft.com/office/officeart/2005/8/layout/radial1"/>
@@ -4070,8 +4070,8 @@
     <dgm:cxn modelId="{F49921B5-E73D-4566-B195-387F20DC6EF1}" srcId="{D3E548D9-E4C0-439A-B340-D8AD03FC28D6}" destId="{8F37E21F-FD1E-4615-925D-6CDF4598D7B9}" srcOrd="5" destOrd="0" parTransId="{4B4D589D-93D2-4A9C-BE8B-2DF5DBA4AECA}" sibTransId="{256A7C88-755D-4999-A688-B6F31D87C138}"/>
     <dgm:cxn modelId="{AC3DE5BC-72C5-42BF-A9F6-49D5B03B292F}" type="presOf" srcId="{D3E548D9-E4C0-439A-B340-D8AD03FC28D6}" destId="{0F5AE770-D727-43D1-B694-C3A2A52AEE7C}" srcOrd="0" destOrd="0" presId="urn:microsoft.com/office/officeart/2005/8/layout/chevronAccent+Icon"/>
     <dgm:cxn modelId="{EA91D8BE-FD25-436C-A24F-E94908FC34F4}" srcId="{D3E548D9-E4C0-439A-B340-D8AD03FC28D6}" destId="{BD030F54-D4A1-4A18-9679-EBC4458C2637}" srcOrd="6" destOrd="0" parTransId="{EFC79714-B486-48CF-8222-AA61FB219F53}" sibTransId="{AC6CDC50-2851-4BAC-A92C-12870898517D}"/>
+    <dgm:cxn modelId="{612400EA-5E07-437D-91D9-B524855DF5AA}" srcId="{D3E548D9-E4C0-439A-B340-D8AD03FC28D6}" destId="{E1A661F3-1DE9-479C-842A-7A202182AC90}" srcOrd="0" destOrd="0" parTransId="{18253654-6A39-462F-91F5-586DE1045C81}" sibTransId="{5FA03447-8F08-4A9C-9C31-250F6FB82612}"/>
     <dgm:cxn modelId="{F4491CCF-E77D-465F-8F03-A694C770B0D9}" srcId="{D3E548D9-E4C0-439A-B340-D8AD03FC28D6}" destId="{5D5CFE11-DBEC-4437-959F-63E01E2DB90A}" srcOrd="4" destOrd="0" parTransId="{A825383C-1B6E-4D59-B4E3-7C5B28952511}" sibTransId="{658106AE-9464-4D2A-9C3A-7213B290B650}"/>
-    <dgm:cxn modelId="{612400EA-5E07-437D-91D9-B524855DF5AA}" srcId="{D3E548D9-E4C0-439A-B340-D8AD03FC28D6}" destId="{E1A661F3-1DE9-479C-842A-7A202182AC90}" srcOrd="0" destOrd="0" parTransId="{18253654-6A39-462F-91F5-586DE1045C81}" sibTransId="{5FA03447-8F08-4A9C-9C31-250F6FB82612}"/>
     <dgm:cxn modelId="{EB26B7C0-EAFE-46B8-B6D4-2987AF35116F}" type="presParOf" srcId="{0F5AE770-D727-43D1-B694-C3A2A52AEE7C}" destId="{11BE8818-4154-4E91-9673-CAEF1EF8070A}" srcOrd="0" destOrd="0" presId="urn:microsoft.com/office/officeart/2005/8/layout/chevronAccent+Icon"/>
     <dgm:cxn modelId="{864E6166-B29A-406A-969C-AFFD8A221C28}" type="presParOf" srcId="{11BE8818-4154-4E91-9673-CAEF1EF8070A}" destId="{39EAB46C-C728-4796-9100-C5D5E3042274}" srcOrd="0" destOrd="0" presId="urn:microsoft.com/office/officeart/2005/8/layout/chevronAccent+Icon"/>
     <dgm:cxn modelId="{49465AC8-6F28-4C98-8A8D-D99C09AA36FB}" type="presParOf" srcId="{11BE8818-4154-4E91-9673-CAEF1EF8070A}" destId="{18D82456-329E-4694-B552-A58E05187DFC}" srcOrd="1" destOrd="0" presId="urn:microsoft.com/office/officeart/2005/8/layout/chevronAccent+Icon"/>
@@ -30946,7 +30946,7 @@
               <a:tabLst/>
             </a:pPr>
             <a:r>
-              <a:rPr kumimoji="0" lang="en-US" altLang="en-US" sz="1800" b="1" i="0" u="none" strike="noStrike" cap="none" normalizeH="0" baseline="0" dirty="0">
+              <a:rPr kumimoji="0" lang="en-US" altLang="en-US" b="1" i="0" u="none" strike="noStrike" cap="none" normalizeH="0" baseline="0" dirty="0">
                 <a:ln>
                   <a:noFill/>
                 </a:ln>
@@ -30959,7 +30959,7 @@
               <a:t>Digitize all manufacturing records</a:t>
             </a:r>
             <a:r>
-              <a:rPr kumimoji="0" lang="en-US" altLang="en-US" sz="1800" b="0" i="0" u="none" strike="noStrike" cap="none" normalizeH="0" baseline="0" dirty="0">
+              <a:rPr kumimoji="0" lang="en-US" altLang="en-US" b="0" i="0" u="none" strike="noStrike" cap="none" normalizeH="0" baseline="0" dirty="0">
                 <a:ln>
                   <a:noFill/>
                 </a:ln>
@@ -30973,7 +30973,7 @@
             </a:r>
           </a:p>
           <a:p>
-            <a:pPr marL="0" marR="0" lvl="0" indent="0" algn="l" defTabSz="914400" rtl="0" eaLnBrk="0" fontAlgn="base" latinLnBrk="0" hangingPunct="0">
+            <a:pPr lvl="0" defTabSz="914400" eaLnBrk="0" fontAlgn="base" hangingPunct="0">
               <a:lnSpc>
                 <a:spcPct val="200000"/>
               </a:lnSpc>
@@ -30983,11 +30983,8 @@
               <a:spcAft>
                 <a:spcPct val="0"/>
               </a:spcAft>
-              <a:buClrTx/>
-              <a:buSzTx/>
               <a:buFontTx/>
               <a:buChar char="•"/>
-              <a:tabLst/>
             </a:pPr>
             <a:r>
               <a:rPr kumimoji="0" lang="en-US" altLang="en-US" sz="1800" b="0" i="0" u="none" strike="noStrike" cap="none" normalizeH="0" baseline="0" dirty="0">
@@ -31003,17 +31000,10 @@
               <a:t>Standardize </a:t>
             </a:r>
             <a:r>
-              <a:rPr kumimoji="0" lang="en-US" altLang="en-US" sz="1800" b="1" i="0" u="none" strike="noStrike" cap="none" normalizeH="0" baseline="0" dirty="0">
-                <a:ln>
-                  <a:noFill/>
-                </a:ln>
-                <a:solidFill>
-                  <a:schemeClr val="tx1"/>
-                </a:solidFill>
-                <a:effectLst/>
+              <a:rPr lang="en-US" b="1" dirty="0">
                 <a:latin typeface="Arial" panose="020B0604020202020204" pitchFamily="34" charset="0"/>
               </a:rPr>
-              <a:t>PET + Metallic ink</a:t>
+              <a:t>Offset Ink + PET and UV Ink + PVC </a:t>
             </a:r>
             <a:r>
               <a:rPr kumimoji="0" lang="en-US" altLang="en-US" sz="1800" b="0" i="0" u="none" strike="noStrike" cap="none" normalizeH="0" baseline="0" dirty="0">
@@ -31026,7 +31016,7 @@
                 <a:effectLst/>
                 <a:latin typeface="Arial" panose="020B0604020202020204" pitchFamily="34" charset="0"/>
               </a:rPr>
-              <a:t> combination for higher acceptance.</a:t>
+              <a:t>combination for higher acceptance.</a:t>
             </a:r>
           </a:p>
           <a:p>
@@ -31083,7 +31073,7 @@
                 <a:effectLst/>
                 <a:latin typeface="Arial" panose="020B0604020202020204" pitchFamily="34" charset="0"/>
               </a:rPr>
-              <a:t> at each stage (Printing, Lamination, Embedding).</a:t>
+              <a:t> at each  QC stage (Printing, Lamination, Embedding).</a:t>
             </a:r>
           </a:p>
           <a:p>
@@ -31144,7 +31134,7 @@
             </a:r>
           </a:p>
           <a:p>
-            <a:pPr marL="0" marR="0" lvl="0" indent="0" algn="l" defTabSz="914400" rtl="0" eaLnBrk="0" fontAlgn="base" latinLnBrk="0" hangingPunct="0">
+            <a:pPr lvl="0" defTabSz="914400" eaLnBrk="0" fontAlgn="base" hangingPunct="0">
               <a:lnSpc>
                 <a:spcPct val="200000"/>
               </a:lnSpc>
@@ -31154,11 +31144,8 @@
               <a:spcAft>
                 <a:spcPct val="0"/>
               </a:spcAft>
-              <a:buClrTx/>
-              <a:buSzTx/>
               <a:buFontTx/>
               <a:buChar char="•"/>
-              <a:tabLst/>
             </a:pPr>
             <a:r>
               <a:rPr kumimoji="0" lang="en-US" altLang="en-US" sz="1800" b="0" i="0" u="none" strike="noStrike" cap="none" normalizeH="0" baseline="0" dirty="0">
@@ -31171,7 +31158,17 @@
                 <a:effectLst/>
                 <a:latin typeface="Arial" panose="020B0604020202020204" pitchFamily="34" charset="0"/>
               </a:rPr>
-              <a:t>Study </a:t>
+              <a:t> </a:t>
+            </a:r>
+            <a:r>
+              <a:rPr lang="en-US" dirty="0">
+                <a:latin typeface="Arial" panose="020B0604020202020204" pitchFamily="34" charset="0"/>
+              </a:rPr>
+              <a:t>Analyze</a:t>
+            </a:r>
+            <a:r>
+              <a:rPr lang="en-US" dirty="0"/>
+              <a:t> </a:t>
             </a:r>
             <a:r>
               <a:rPr kumimoji="0" lang="en-US" altLang="en-US" sz="1800" b="1" i="0" u="none" strike="noStrike" cap="none" normalizeH="0" baseline="0" dirty="0">
@@ -31184,24 +31181,17 @@
                 <a:effectLst/>
                 <a:latin typeface="Arial" panose="020B0604020202020204" pitchFamily="34" charset="0"/>
               </a:rPr>
-              <a:t>top-performing batches</a:t>
+              <a:t>top-performing </a:t>
             </a:r>
             <a:r>
-              <a:rPr kumimoji="0" lang="en-US" altLang="en-US" sz="1800" b="0" i="0" u="none" strike="noStrike" cap="none" normalizeH="0" baseline="0" dirty="0">
-                <a:ln>
-                  <a:noFill/>
-                </a:ln>
-                <a:solidFill>
-                  <a:schemeClr val="tx1"/>
-                </a:solidFill>
-                <a:effectLst/>
+              <a:rPr lang="en-US" altLang="en-US" dirty="0">
                 <a:latin typeface="Arial" panose="020B0604020202020204" pitchFamily="34" charset="0"/>
               </a:rPr>
-              <a:t> and replicate their workflow.</a:t>
+              <a:t>batches replicate their workflow.</a:t>
             </a:r>
           </a:p>
           <a:p>
-            <a:pPr marL="0" marR="0" lvl="0" indent="0" algn="l" defTabSz="914400" rtl="0" eaLnBrk="0" fontAlgn="base" latinLnBrk="0" hangingPunct="0">
+            <a:pPr lvl="0" defTabSz="914400" eaLnBrk="0" fontAlgn="base" hangingPunct="0">
               <a:lnSpc>
                 <a:spcPct val="200000"/>
               </a:lnSpc>
@@ -31211,11 +31201,8 @@
               <a:spcAft>
                 <a:spcPct val="0"/>
               </a:spcAft>
-              <a:buClrTx/>
-              <a:buSzTx/>
               <a:buFontTx/>
               <a:buChar char="•"/>
-              <a:tabLst/>
             </a:pPr>
             <a:r>
               <a:rPr kumimoji="0" lang="en-US" altLang="en-US" sz="1800" b="0" i="0" u="none" strike="noStrike" cap="none" normalizeH="0" baseline="0" dirty="0">
@@ -31254,7 +31241,7 @@
                 <a:effectLst/>
                 <a:latin typeface="Arial" panose="020B0604020202020204" pitchFamily="34" charset="0"/>
               </a:rPr>
-              <a:t>.</a:t>
+              <a:t>. </a:t>
             </a:r>
           </a:p>
           <a:p>
